--- a/ppt 16-9/1517.十字架下我低.pptx
+++ b/ppt 16-9/1517.十字架下我低.pptx
@@ -5,7 +5,7 @@
     <p:sldMasterId id="2147483648" r:id="rId1"/>
   </p:sldMasterIdLst>
   <p:sldIdLst>
-    <p:sldId id="3361" r:id="rId2"/>
+    <p:sldId id="3362" r:id="rId2"/>
   </p:sldIdLst>
   <p:sldSz cx="12192000" cy="6858000"/>
   <p:notesSz cx="6858000" cy="9144000"/>
@@ -129,7 +129,7 @@
           <p:cNvPr id="2" name="标题 1">
             <a:extLst>
               <a:ext uri="{FF2B5EF4-FFF2-40B4-BE49-F238E27FC236}">
-                <a16:creationId xmlns:a16="http://schemas.microsoft.com/office/drawing/2014/main" id="{98E1FD49-5247-678F-27B1-4AB793AC0125}"/>
+                <a16:creationId xmlns:a16="http://schemas.microsoft.com/office/drawing/2014/main" id="{501A9FC7-0126-1E68-41EA-3E212F623135}"/>
               </a:ext>
             </a:extLst>
           </p:cNvPr>
@@ -166,7 +166,7 @@
           <p:cNvPr id="3" name="副标题 2">
             <a:extLst>
               <a:ext uri="{FF2B5EF4-FFF2-40B4-BE49-F238E27FC236}">
-                <a16:creationId xmlns:a16="http://schemas.microsoft.com/office/drawing/2014/main" id="{C4A179C6-FF83-A19C-91D6-5881050240BF}"/>
+                <a16:creationId xmlns:a16="http://schemas.microsoft.com/office/drawing/2014/main" id="{C4FB03D4-5948-4825-8D05-4830585E8C52}"/>
               </a:ext>
             </a:extLst>
           </p:cNvPr>
@@ -236,7 +236,7 @@
           <p:cNvPr id="4" name="日期占位符 3">
             <a:extLst>
               <a:ext uri="{FF2B5EF4-FFF2-40B4-BE49-F238E27FC236}">
-                <a16:creationId xmlns:a16="http://schemas.microsoft.com/office/drawing/2014/main" id="{F65BE4D3-74CA-8CA4-8AC8-F546A35F2B0F}"/>
+                <a16:creationId xmlns:a16="http://schemas.microsoft.com/office/drawing/2014/main" id="{787712E2-D44A-DF4B-FA89-17D291EA6273}"/>
               </a:ext>
             </a:extLst>
           </p:cNvPr>
@@ -252,7 +252,7 @@
           <a:bodyPr/>
           <a:lstStyle/>
           <a:p>
-            <a:fld id="{82E37D95-94AA-4185-A111-EE089DACD2C6}" type="datetimeFigureOut">
+            <a:fld id="{5911E326-4D05-46C8-8DEF-0EEEACEA4A12}" type="datetimeFigureOut">
               <a:rPr lang="zh-CN" altLang="en-US" smtClean="0"/>
               <a:t>2024/3/10</a:t>
             </a:fld>
@@ -265,7 +265,7 @@
           <p:cNvPr id="5" name="页脚占位符 4">
             <a:extLst>
               <a:ext uri="{FF2B5EF4-FFF2-40B4-BE49-F238E27FC236}">
-                <a16:creationId xmlns:a16="http://schemas.microsoft.com/office/drawing/2014/main" id="{536F6F42-D34C-2595-8A8D-A802739F3578}"/>
+                <a16:creationId xmlns:a16="http://schemas.microsoft.com/office/drawing/2014/main" id="{23266C58-8BF8-3618-FEA3-CF1DC06DEA7E}"/>
               </a:ext>
             </a:extLst>
           </p:cNvPr>
@@ -290,7 +290,7 @@
           <p:cNvPr id="6" name="灯片编号占位符 5">
             <a:extLst>
               <a:ext uri="{FF2B5EF4-FFF2-40B4-BE49-F238E27FC236}">
-                <a16:creationId xmlns:a16="http://schemas.microsoft.com/office/drawing/2014/main" id="{B74ADE77-B9F8-3D9F-D9E2-EA16252A1581}"/>
+                <a16:creationId xmlns:a16="http://schemas.microsoft.com/office/drawing/2014/main" id="{D1AEB66A-36F3-51E7-A485-687BA0A89366}"/>
               </a:ext>
             </a:extLst>
           </p:cNvPr>
@@ -306,7 +306,7 @@
           <a:bodyPr/>
           <a:lstStyle/>
           <a:p>
-            <a:fld id="{39C5D8EF-C6CA-4440-BD6F-422CEC2504CC}" type="slidenum">
+            <a:fld id="{00DC1617-6938-4819-94FC-A8CD266B047C}" type="slidenum">
               <a:rPr lang="zh-CN" altLang="en-US" smtClean="0"/>
               <a:t>‹#›</a:t>
             </a:fld>
@@ -317,7 +317,7 @@
     </p:spTree>
     <p:extLst>
       <p:ext uri="{BB962C8B-B14F-4D97-AF65-F5344CB8AC3E}">
-        <p14:creationId xmlns:p14="http://schemas.microsoft.com/office/powerpoint/2010/main" val="1750275660"/>
+        <p14:creationId xmlns:p14="http://schemas.microsoft.com/office/powerpoint/2010/main" val="2484028530"/>
       </p:ext>
     </p:extLst>
   </p:cSld>
@@ -349,7 +349,7 @@
           <p:cNvPr id="2" name="标题 1">
             <a:extLst>
               <a:ext uri="{FF2B5EF4-FFF2-40B4-BE49-F238E27FC236}">
-                <a16:creationId xmlns:a16="http://schemas.microsoft.com/office/drawing/2014/main" id="{45944085-DE45-58C6-A9B1-F0706E30F4D9}"/>
+                <a16:creationId xmlns:a16="http://schemas.microsoft.com/office/drawing/2014/main" id="{79BB15C1-042A-E6E3-7B20-A03F0D69D494}"/>
               </a:ext>
             </a:extLst>
           </p:cNvPr>
@@ -377,7 +377,7 @@
           <p:cNvPr id="3" name="竖排文字占位符 2">
             <a:extLst>
               <a:ext uri="{FF2B5EF4-FFF2-40B4-BE49-F238E27FC236}">
-                <a16:creationId xmlns:a16="http://schemas.microsoft.com/office/drawing/2014/main" id="{6F6244A8-E6E9-1B1A-B4AF-5BFFA0BD5C6D}"/>
+                <a16:creationId xmlns:a16="http://schemas.microsoft.com/office/drawing/2014/main" id="{7AB7F130-FDD3-EB61-773E-6583459738B6}"/>
               </a:ext>
             </a:extLst>
           </p:cNvPr>
@@ -434,7 +434,7 @@
           <p:cNvPr id="4" name="日期占位符 3">
             <a:extLst>
               <a:ext uri="{FF2B5EF4-FFF2-40B4-BE49-F238E27FC236}">
-                <a16:creationId xmlns:a16="http://schemas.microsoft.com/office/drawing/2014/main" id="{A242E700-5E0C-85D9-2BE9-A62AFC9B46F5}"/>
+                <a16:creationId xmlns:a16="http://schemas.microsoft.com/office/drawing/2014/main" id="{D72473C6-5DB1-5902-9F01-CD3C6B8D85AA}"/>
               </a:ext>
             </a:extLst>
           </p:cNvPr>
@@ -450,7 +450,7 @@
           <a:bodyPr/>
           <a:lstStyle/>
           <a:p>
-            <a:fld id="{82E37D95-94AA-4185-A111-EE089DACD2C6}" type="datetimeFigureOut">
+            <a:fld id="{5911E326-4D05-46C8-8DEF-0EEEACEA4A12}" type="datetimeFigureOut">
               <a:rPr lang="zh-CN" altLang="en-US" smtClean="0"/>
               <a:t>2024/3/10</a:t>
             </a:fld>
@@ -463,7 +463,7 @@
           <p:cNvPr id="5" name="页脚占位符 4">
             <a:extLst>
               <a:ext uri="{FF2B5EF4-FFF2-40B4-BE49-F238E27FC236}">
-                <a16:creationId xmlns:a16="http://schemas.microsoft.com/office/drawing/2014/main" id="{9F9427C0-9281-CD31-5833-1913D5383018}"/>
+                <a16:creationId xmlns:a16="http://schemas.microsoft.com/office/drawing/2014/main" id="{528B92C9-96D8-100E-0582-248F48FA696B}"/>
               </a:ext>
             </a:extLst>
           </p:cNvPr>
@@ -488,7 +488,7 @@
           <p:cNvPr id="6" name="灯片编号占位符 5">
             <a:extLst>
               <a:ext uri="{FF2B5EF4-FFF2-40B4-BE49-F238E27FC236}">
-                <a16:creationId xmlns:a16="http://schemas.microsoft.com/office/drawing/2014/main" id="{3F042165-8620-6022-B611-ACF23282BC13}"/>
+                <a16:creationId xmlns:a16="http://schemas.microsoft.com/office/drawing/2014/main" id="{3F5DDC8D-33B8-182E-2DEC-7B5A22E97493}"/>
               </a:ext>
             </a:extLst>
           </p:cNvPr>
@@ -504,7 +504,7 @@
           <a:bodyPr/>
           <a:lstStyle/>
           <a:p>
-            <a:fld id="{39C5D8EF-C6CA-4440-BD6F-422CEC2504CC}" type="slidenum">
+            <a:fld id="{00DC1617-6938-4819-94FC-A8CD266B047C}" type="slidenum">
               <a:rPr lang="zh-CN" altLang="en-US" smtClean="0"/>
               <a:t>‹#›</a:t>
             </a:fld>
@@ -515,7 +515,7 @@
     </p:spTree>
     <p:extLst>
       <p:ext uri="{BB962C8B-B14F-4D97-AF65-F5344CB8AC3E}">
-        <p14:creationId xmlns:p14="http://schemas.microsoft.com/office/powerpoint/2010/main" val="448103957"/>
+        <p14:creationId xmlns:p14="http://schemas.microsoft.com/office/powerpoint/2010/main" val="2097178601"/>
       </p:ext>
     </p:extLst>
   </p:cSld>
@@ -547,7 +547,7 @@
           <p:cNvPr id="2" name="竖排标题 1">
             <a:extLst>
               <a:ext uri="{FF2B5EF4-FFF2-40B4-BE49-F238E27FC236}">
-                <a16:creationId xmlns:a16="http://schemas.microsoft.com/office/drawing/2014/main" id="{FE2B2F96-BF63-7AA3-C9C1-E6E5E79803D0}"/>
+                <a16:creationId xmlns:a16="http://schemas.microsoft.com/office/drawing/2014/main" id="{208920EA-314B-398B-2E78-3E171A5515F5}"/>
               </a:ext>
             </a:extLst>
           </p:cNvPr>
@@ -580,7 +580,7 @@
           <p:cNvPr id="3" name="竖排文字占位符 2">
             <a:extLst>
               <a:ext uri="{FF2B5EF4-FFF2-40B4-BE49-F238E27FC236}">
-                <a16:creationId xmlns:a16="http://schemas.microsoft.com/office/drawing/2014/main" id="{5DD157DB-092D-4890-232B-C88380550859}"/>
+                <a16:creationId xmlns:a16="http://schemas.microsoft.com/office/drawing/2014/main" id="{1702E19C-F5F0-5D90-17E8-C43ECDE0454B}"/>
               </a:ext>
             </a:extLst>
           </p:cNvPr>
@@ -642,7 +642,7 @@
           <p:cNvPr id="4" name="日期占位符 3">
             <a:extLst>
               <a:ext uri="{FF2B5EF4-FFF2-40B4-BE49-F238E27FC236}">
-                <a16:creationId xmlns:a16="http://schemas.microsoft.com/office/drawing/2014/main" id="{D85305A5-0B81-2B20-A302-4CD67356A816}"/>
+                <a16:creationId xmlns:a16="http://schemas.microsoft.com/office/drawing/2014/main" id="{1FE2338E-3CFF-B3D1-D516-7819DAB14B51}"/>
               </a:ext>
             </a:extLst>
           </p:cNvPr>
@@ -658,7 +658,7 @@
           <a:bodyPr/>
           <a:lstStyle/>
           <a:p>
-            <a:fld id="{82E37D95-94AA-4185-A111-EE089DACD2C6}" type="datetimeFigureOut">
+            <a:fld id="{5911E326-4D05-46C8-8DEF-0EEEACEA4A12}" type="datetimeFigureOut">
               <a:rPr lang="zh-CN" altLang="en-US" smtClean="0"/>
               <a:t>2024/3/10</a:t>
             </a:fld>
@@ -671,7 +671,7 @@
           <p:cNvPr id="5" name="页脚占位符 4">
             <a:extLst>
               <a:ext uri="{FF2B5EF4-FFF2-40B4-BE49-F238E27FC236}">
-                <a16:creationId xmlns:a16="http://schemas.microsoft.com/office/drawing/2014/main" id="{72B5ED5F-C360-8CC3-507C-772DD2CB70DC}"/>
+                <a16:creationId xmlns:a16="http://schemas.microsoft.com/office/drawing/2014/main" id="{1C7922A9-E781-7DF4-87F3-489DAFE2EEAA}"/>
               </a:ext>
             </a:extLst>
           </p:cNvPr>
@@ -696,7 +696,7 @@
           <p:cNvPr id="6" name="灯片编号占位符 5">
             <a:extLst>
               <a:ext uri="{FF2B5EF4-FFF2-40B4-BE49-F238E27FC236}">
-                <a16:creationId xmlns:a16="http://schemas.microsoft.com/office/drawing/2014/main" id="{69A9FBB4-3A80-1B2E-F32E-D618D0353C42}"/>
+                <a16:creationId xmlns:a16="http://schemas.microsoft.com/office/drawing/2014/main" id="{6A18038B-5CD2-BA14-A387-5DF9A7D49A18}"/>
               </a:ext>
             </a:extLst>
           </p:cNvPr>
@@ -712,7 +712,7 @@
           <a:bodyPr/>
           <a:lstStyle/>
           <a:p>
-            <a:fld id="{39C5D8EF-C6CA-4440-BD6F-422CEC2504CC}" type="slidenum">
+            <a:fld id="{00DC1617-6938-4819-94FC-A8CD266B047C}" type="slidenum">
               <a:rPr lang="zh-CN" altLang="en-US" smtClean="0"/>
               <a:t>‹#›</a:t>
             </a:fld>
@@ -723,7 +723,7 @@
     </p:spTree>
     <p:extLst>
       <p:ext uri="{BB962C8B-B14F-4D97-AF65-F5344CB8AC3E}">
-        <p14:creationId xmlns:p14="http://schemas.microsoft.com/office/powerpoint/2010/main" val="2600770771"/>
+        <p14:creationId xmlns:p14="http://schemas.microsoft.com/office/powerpoint/2010/main" val="3025341792"/>
       </p:ext>
     </p:extLst>
   </p:cSld>
@@ -755,7 +755,7 @@
           <p:cNvPr id="2" name="标题 1">
             <a:extLst>
               <a:ext uri="{FF2B5EF4-FFF2-40B4-BE49-F238E27FC236}">
-                <a16:creationId xmlns:a16="http://schemas.microsoft.com/office/drawing/2014/main" id="{F67AF192-BF3E-AF1F-3D20-3D5429C5A17C}"/>
+                <a16:creationId xmlns:a16="http://schemas.microsoft.com/office/drawing/2014/main" id="{20CA1843-7060-DEA5-622D-B422C84C2529}"/>
               </a:ext>
             </a:extLst>
           </p:cNvPr>
@@ -783,7 +783,7 @@
           <p:cNvPr id="3" name="内容占位符 2">
             <a:extLst>
               <a:ext uri="{FF2B5EF4-FFF2-40B4-BE49-F238E27FC236}">
-                <a16:creationId xmlns:a16="http://schemas.microsoft.com/office/drawing/2014/main" id="{F145E4A7-E71D-98B1-41A0-ECA747F18A75}"/>
+                <a16:creationId xmlns:a16="http://schemas.microsoft.com/office/drawing/2014/main" id="{57122F9E-2FD4-5EDC-4FE6-C439260E036E}"/>
               </a:ext>
             </a:extLst>
           </p:cNvPr>
@@ -840,7 +840,7 @@
           <p:cNvPr id="4" name="日期占位符 3">
             <a:extLst>
               <a:ext uri="{FF2B5EF4-FFF2-40B4-BE49-F238E27FC236}">
-                <a16:creationId xmlns:a16="http://schemas.microsoft.com/office/drawing/2014/main" id="{5EAC28D2-A770-0A87-4982-CB8B7FC5C165}"/>
+                <a16:creationId xmlns:a16="http://schemas.microsoft.com/office/drawing/2014/main" id="{FE18FEB8-8925-C651-D8BD-690178560472}"/>
               </a:ext>
             </a:extLst>
           </p:cNvPr>
@@ -856,7 +856,7 @@
           <a:bodyPr/>
           <a:lstStyle/>
           <a:p>
-            <a:fld id="{82E37D95-94AA-4185-A111-EE089DACD2C6}" type="datetimeFigureOut">
+            <a:fld id="{5911E326-4D05-46C8-8DEF-0EEEACEA4A12}" type="datetimeFigureOut">
               <a:rPr lang="zh-CN" altLang="en-US" smtClean="0"/>
               <a:t>2024/3/10</a:t>
             </a:fld>
@@ -869,7 +869,7 @@
           <p:cNvPr id="5" name="页脚占位符 4">
             <a:extLst>
               <a:ext uri="{FF2B5EF4-FFF2-40B4-BE49-F238E27FC236}">
-                <a16:creationId xmlns:a16="http://schemas.microsoft.com/office/drawing/2014/main" id="{44558A3B-1DD5-34D6-176B-581BC41D932A}"/>
+                <a16:creationId xmlns:a16="http://schemas.microsoft.com/office/drawing/2014/main" id="{056637C2-90C1-31D2-3987-027D90C1B7E8}"/>
               </a:ext>
             </a:extLst>
           </p:cNvPr>
@@ -894,7 +894,7 @@
           <p:cNvPr id="6" name="灯片编号占位符 5">
             <a:extLst>
               <a:ext uri="{FF2B5EF4-FFF2-40B4-BE49-F238E27FC236}">
-                <a16:creationId xmlns:a16="http://schemas.microsoft.com/office/drawing/2014/main" id="{A582A5A0-CB7B-5997-FE08-980D6161998C}"/>
+                <a16:creationId xmlns:a16="http://schemas.microsoft.com/office/drawing/2014/main" id="{9A2D5A15-B968-4495-1568-C61A48971A3D}"/>
               </a:ext>
             </a:extLst>
           </p:cNvPr>
@@ -910,7 +910,7 @@
           <a:bodyPr/>
           <a:lstStyle/>
           <a:p>
-            <a:fld id="{39C5D8EF-C6CA-4440-BD6F-422CEC2504CC}" type="slidenum">
+            <a:fld id="{00DC1617-6938-4819-94FC-A8CD266B047C}" type="slidenum">
               <a:rPr lang="zh-CN" altLang="en-US" smtClean="0"/>
               <a:t>‹#›</a:t>
             </a:fld>
@@ -921,7 +921,7 @@
     </p:spTree>
     <p:extLst>
       <p:ext uri="{BB962C8B-B14F-4D97-AF65-F5344CB8AC3E}">
-        <p14:creationId xmlns:p14="http://schemas.microsoft.com/office/powerpoint/2010/main" val="2392438456"/>
+        <p14:creationId xmlns:p14="http://schemas.microsoft.com/office/powerpoint/2010/main" val="667413424"/>
       </p:ext>
     </p:extLst>
   </p:cSld>
@@ -953,7 +953,7 @@
           <p:cNvPr id="2" name="标题 1">
             <a:extLst>
               <a:ext uri="{FF2B5EF4-FFF2-40B4-BE49-F238E27FC236}">
-                <a16:creationId xmlns:a16="http://schemas.microsoft.com/office/drawing/2014/main" id="{DA16BE95-3DED-64D2-54ED-B358739E3E1F}"/>
+                <a16:creationId xmlns:a16="http://schemas.microsoft.com/office/drawing/2014/main" id="{275C8B63-E895-51A5-08EC-6C1FE330C953}"/>
               </a:ext>
             </a:extLst>
           </p:cNvPr>
@@ -990,7 +990,7 @@
           <p:cNvPr id="3" name="文本占位符 2">
             <a:extLst>
               <a:ext uri="{FF2B5EF4-FFF2-40B4-BE49-F238E27FC236}">
-                <a16:creationId xmlns:a16="http://schemas.microsoft.com/office/drawing/2014/main" id="{D9AAC9EB-8C61-B575-D8D6-E4D21ECB2259}"/>
+                <a16:creationId xmlns:a16="http://schemas.microsoft.com/office/drawing/2014/main" id="{EDD744D7-3675-BA73-DF62-E06EB0253449}"/>
               </a:ext>
             </a:extLst>
           </p:cNvPr>
@@ -1115,7 +1115,7 @@
           <p:cNvPr id="4" name="日期占位符 3">
             <a:extLst>
               <a:ext uri="{FF2B5EF4-FFF2-40B4-BE49-F238E27FC236}">
-                <a16:creationId xmlns:a16="http://schemas.microsoft.com/office/drawing/2014/main" id="{CF2EFF1B-6445-39EE-01A3-F614DEDA7BC6}"/>
+                <a16:creationId xmlns:a16="http://schemas.microsoft.com/office/drawing/2014/main" id="{6250EA6C-95F4-1D24-08FA-4AF30720E0FA}"/>
               </a:ext>
             </a:extLst>
           </p:cNvPr>
@@ -1131,7 +1131,7 @@
           <a:bodyPr/>
           <a:lstStyle/>
           <a:p>
-            <a:fld id="{82E37D95-94AA-4185-A111-EE089DACD2C6}" type="datetimeFigureOut">
+            <a:fld id="{5911E326-4D05-46C8-8DEF-0EEEACEA4A12}" type="datetimeFigureOut">
               <a:rPr lang="zh-CN" altLang="en-US" smtClean="0"/>
               <a:t>2024/3/10</a:t>
             </a:fld>
@@ -1144,7 +1144,7 @@
           <p:cNvPr id="5" name="页脚占位符 4">
             <a:extLst>
               <a:ext uri="{FF2B5EF4-FFF2-40B4-BE49-F238E27FC236}">
-                <a16:creationId xmlns:a16="http://schemas.microsoft.com/office/drawing/2014/main" id="{7EAF4A89-0CB1-BA5C-2C40-F25AA9EDADFF}"/>
+                <a16:creationId xmlns:a16="http://schemas.microsoft.com/office/drawing/2014/main" id="{6CB88697-4A92-34CD-0668-103019A1B2FE}"/>
               </a:ext>
             </a:extLst>
           </p:cNvPr>
@@ -1169,7 +1169,7 @@
           <p:cNvPr id="6" name="灯片编号占位符 5">
             <a:extLst>
               <a:ext uri="{FF2B5EF4-FFF2-40B4-BE49-F238E27FC236}">
-                <a16:creationId xmlns:a16="http://schemas.microsoft.com/office/drawing/2014/main" id="{85818FB6-5A86-8D03-A327-17C3A59229F3}"/>
+                <a16:creationId xmlns:a16="http://schemas.microsoft.com/office/drawing/2014/main" id="{AFB3F259-6855-3265-0082-C0143DCBAC96}"/>
               </a:ext>
             </a:extLst>
           </p:cNvPr>
@@ -1185,7 +1185,7 @@
           <a:bodyPr/>
           <a:lstStyle/>
           <a:p>
-            <a:fld id="{39C5D8EF-C6CA-4440-BD6F-422CEC2504CC}" type="slidenum">
+            <a:fld id="{00DC1617-6938-4819-94FC-A8CD266B047C}" type="slidenum">
               <a:rPr lang="zh-CN" altLang="en-US" smtClean="0"/>
               <a:t>‹#›</a:t>
             </a:fld>
@@ -1196,7 +1196,7 @@
     </p:spTree>
     <p:extLst>
       <p:ext uri="{BB962C8B-B14F-4D97-AF65-F5344CB8AC3E}">
-        <p14:creationId xmlns:p14="http://schemas.microsoft.com/office/powerpoint/2010/main" val="2334699528"/>
+        <p14:creationId xmlns:p14="http://schemas.microsoft.com/office/powerpoint/2010/main" val="3074577099"/>
       </p:ext>
     </p:extLst>
   </p:cSld>
@@ -1228,7 +1228,7 @@
           <p:cNvPr id="2" name="标题 1">
             <a:extLst>
               <a:ext uri="{FF2B5EF4-FFF2-40B4-BE49-F238E27FC236}">
-                <a16:creationId xmlns:a16="http://schemas.microsoft.com/office/drawing/2014/main" id="{D9529D73-D2DC-FA9F-F994-E87079969C74}"/>
+                <a16:creationId xmlns:a16="http://schemas.microsoft.com/office/drawing/2014/main" id="{3AF17779-BE5E-ED03-50A9-4EFD8448D640}"/>
               </a:ext>
             </a:extLst>
           </p:cNvPr>
@@ -1256,7 +1256,7 @@
           <p:cNvPr id="3" name="内容占位符 2">
             <a:extLst>
               <a:ext uri="{FF2B5EF4-FFF2-40B4-BE49-F238E27FC236}">
-                <a16:creationId xmlns:a16="http://schemas.microsoft.com/office/drawing/2014/main" id="{ADA49846-F495-F243-8B5E-160E13EFDE0D}"/>
+                <a16:creationId xmlns:a16="http://schemas.microsoft.com/office/drawing/2014/main" id="{5DF797F8-3A6D-6AA1-E86D-F939D5036FD7}"/>
               </a:ext>
             </a:extLst>
           </p:cNvPr>
@@ -1318,7 +1318,7 @@
           <p:cNvPr id="4" name="内容占位符 3">
             <a:extLst>
               <a:ext uri="{FF2B5EF4-FFF2-40B4-BE49-F238E27FC236}">
-                <a16:creationId xmlns:a16="http://schemas.microsoft.com/office/drawing/2014/main" id="{CEEF3775-E37F-58EB-D050-344E7B658C43}"/>
+                <a16:creationId xmlns:a16="http://schemas.microsoft.com/office/drawing/2014/main" id="{2AF230BA-20B2-D9ED-4BCE-83C6EFEA8BE8}"/>
               </a:ext>
             </a:extLst>
           </p:cNvPr>
@@ -1380,7 +1380,7 @@
           <p:cNvPr id="5" name="日期占位符 4">
             <a:extLst>
               <a:ext uri="{FF2B5EF4-FFF2-40B4-BE49-F238E27FC236}">
-                <a16:creationId xmlns:a16="http://schemas.microsoft.com/office/drawing/2014/main" id="{5D2DD414-E79F-15A6-4EF6-A1AAB5B7E1A6}"/>
+                <a16:creationId xmlns:a16="http://schemas.microsoft.com/office/drawing/2014/main" id="{A10F64AE-B99C-8AED-160D-8BA9602460B2}"/>
               </a:ext>
             </a:extLst>
           </p:cNvPr>
@@ -1396,7 +1396,7 @@
           <a:bodyPr/>
           <a:lstStyle/>
           <a:p>
-            <a:fld id="{82E37D95-94AA-4185-A111-EE089DACD2C6}" type="datetimeFigureOut">
+            <a:fld id="{5911E326-4D05-46C8-8DEF-0EEEACEA4A12}" type="datetimeFigureOut">
               <a:rPr lang="zh-CN" altLang="en-US" smtClean="0"/>
               <a:t>2024/3/10</a:t>
             </a:fld>
@@ -1409,7 +1409,7 @@
           <p:cNvPr id="6" name="页脚占位符 5">
             <a:extLst>
               <a:ext uri="{FF2B5EF4-FFF2-40B4-BE49-F238E27FC236}">
-                <a16:creationId xmlns:a16="http://schemas.microsoft.com/office/drawing/2014/main" id="{E9BF5956-52D3-27F8-1C53-635E48AD92C3}"/>
+                <a16:creationId xmlns:a16="http://schemas.microsoft.com/office/drawing/2014/main" id="{3B73EB51-7975-F9F0-8C18-953BE2BD1A1D}"/>
               </a:ext>
             </a:extLst>
           </p:cNvPr>
@@ -1434,7 +1434,7 @@
           <p:cNvPr id="7" name="灯片编号占位符 6">
             <a:extLst>
               <a:ext uri="{FF2B5EF4-FFF2-40B4-BE49-F238E27FC236}">
-                <a16:creationId xmlns:a16="http://schemas.microsoft.com/office/drawing/2014/main" id="{1542FD32-D67B-CAC3-481A-94861FEDD7C3}"/>
+                <a16:creationId xmlns:a16="http://schemas.microsoft.com/office/drawing/2014/main" id="{B224E1D7-A4ED-2786-CC36-A61FBDDE2381}"/>
               </a:ext>
             </a:extLst>
           </p:cNvPr>
@@ -1450,7 +1450,7 @@
           <a:bodyPr/>
           <a:lstStyle/>
           <a:p>
-            <a:fld id="{39C5D8EF-C6CA-4440-BD6F-422CEC2504CC}" type="slidenum">
+            <a:fld id="{00DC1617-6938-4819-94FC-A8CD266B047C}" type="slidenum">
               <a:rPr lang="zh-CN" altLang="en-US" smtClean="0"/>
               <a:t>‹#›</a:t>
             </a:fld>
@@ -1461,7 +1461,7 @@
     </p:spTree>
     <p:extLst>
       <p:ext uri="{BB962C8B-B14F-4D97-AF65-F5344CB8AC3E}">
-        <p14:creationId xmlns:p14="http://schemas.microsoft.com/office/powerpoint/2010/main" val="155126477"/>
+        <p14:creationId xmlns:p14="http://schemas.microsoft.com/office/powerpoint/2010/main" val="2224565138"/>
       </p:ext>
     </p:extLst>
   </p:cSld>
@@ -1493,7 +1493,7 @@
           <p:cNvPr id="2" name="标题 1">
             <a:extLst>
               <a:ext uri="{FF2B5EF4-FFF2-40B4-BE49-F238E27FC236}">
-                <a16:creationId xmlns:a16="http://schemas.microsoft.com/office/drawing/2014/main" id="{1761E0EF-D45E-9F30-67E7-6F931237AAD2}"/>
+                <a16:creationId xmlns:a16="http://schemas.microsoft.com/office/drawing/2014/main" id="{9A3DDCDA-24E9-072E-F147-6ED34A31C1E4}"/>
               </a:ext>
             </a:extLst>
           </p:cNvPr>
@@ -1526,7 +1526,7 @@
           <p:cNvPr id="3" name="文本占位符 2">
             <a:extLst>
               <a:ext uri="{FF2B5EF4-FFF2-40B4-BE49-F238E27FC236}">
-                <a16:creationId xmlns:a16="http://schemas.microsoft.com/office/drawing/2014/main" id="{7C97766D-1FC1-BE71-646B-913104DC3994}"/>
+                <a16:creationId xmlns:a16="http://schemas.microsoft.com/office/drawing/2014/main" id="{12EEE403-5C80-51A6-D967-F3EC5C639F31}"/>
               </a:ext>
             </a:extLst>
           </p:cNvPr>
@@ -1597,7 +1597,7 @@
           <p:cNvPr id="4" name="内容占位符 3">
             <a:extLst>
               <a:ext uri="{FF2B5EF4-FFF2-40B4-BE49-F238E27FC236}">
-                <a16:creationId xmlns:a16="http://schemas.microsoft.com/office/drawing/2014/main" id="{2CC4EF74-3660-D55F-BD36-E03D3844E575}"/>
+                <a16:creationId xmlns:a16="http://schemas.microsoft.com/office/drawing/2014/main" id="{31D84736-DD8E-3EB8-0727-0BEB2F920229}"/>
               </a:ext>
             </a:extLst>
           </p:cNvPr>
@@ -1659,7 +1659,7 @@
           <p:cNvPr id="5" name="文本占位符 4">
             <a:extLst>
               <a:ext uri="{FF2B5EF4-FFF2-40B4-BE49-F238E27FC236}">
-                <a16:creationId xmlns:a16="http://schemas.microsoft.com/office/drawing/2014/main" id="{2F66B45D-5650-B46E-E92F-B37CECBC4794}"/>
+                <a16:creationId xmlns:a16="http://schemas.microsoft.com/office/drawing/2014/main" id="{3C1E6075-9077-A711-B487-51860A17911A}"/>
               </a:ext>
             </a:extLst>
           </p:cNvPr>
@@ -1730,7 +1730,7 @@
           <p:cNvPr id="6" name="内容占位符 5">
             <a:extLst>
               <a:ext uri="{FF2B5EF4-FFF2-40B4-BE49-F238E27FC236}">
-                <a16:creationId xmlns:a16="http://schemas.microsoft.com/office/drawing/2014/main" id="{273728D9-ADF6-F202-83D2-870E382CF64A}"/>
+                <a16:creationId xmlns:a16="http://schemas.microsoft.com/office/drawing/2014/main" id="{B07580CC-44BE-2DAE-46C8-5ACB7CF49014}"/>
               </a:ext>
             </a:extLst>
           </p:cNvPr>
@@ -1792,7 +1792,7 @@
           <p:cNvPr id="7" name="日期占位符 6">
             <a:extLst>
               <a:ext uri="{FF2B5EF4-FFF2-40B4-BE49-F238E27FC236}">
-                <a16:creationId xmlns:a16="http://schemas.microsoft.com/office/drawing/2014/main" id="{98201A9A-A041-D582-CFE8-A855511BD68F}"/>
+                <a16:creationId xmlns:a16="http://schemas.microsoft.com/office/drawing/2014/main" id="{3E261790-CEE6-9C21-9F72-DE4B30CFBCA9}"/>
               </a:ext>
             </a:extLst>
           </p:cNvPr>
@@ -1808,7 +1808,7 @@
           <a:bodyPr/>
           <a:lstStyle/>
           <a:p>
-            <a:fld id="{82E37D95-94AA-4185-A111-EE089DACD2C6}" type="datetimeFigureOut">
+            <a:fld id="{5911E326-4D05-46C8-8DEF-0EEEACEA4A12}" type="datetimeFigureOut">
               <a:rPr lang="zh-CN" altLang="en-US" smtClean="0"/>
               <a:t>2024/3/10</a:t>
             </a:fld>
@@ -1821,7 +1821,7 @@
           <p:cNvPr id="8" name="页脚占位符 7">
             <a:extLst>
               <a:ext uri="{FF2B5EF4-FFF2-40B4-BE49-F238E27FC236}">
-                <a16:creationId xmlns:a16="http://schemas.microsoft.com/office/drawing/2014/main" id="{A62952D0-1041-448E-6D38-D63104EEAB7F}"/>
+                <a16:creationId xmlns:a16="http://schemas.microsoft.com/office/drawing/2014/main" id="{81769FB9-B223-6920-835F-4D5A60B4FADB}"/>
               </a:ext>
             </a:extLst>
           </p:cNvPr>
@@ -1846,7 +1846,7 @@
           <p:cNvPr id="9" name="灯片编号占位符 8">
             <a:extLst>
               <a:ext uri="{FF2B5EF4-FFF2-40B4-BE49-F238E27FC236}">
-                <a16:creationId xmlns:a16="http://schemas.microsoft.com/office/drawing/2014/main" id="{3028345E-7D1B-F31B-0578-EEFFE268CE7C}"/>
+                <a16:creationId xmlns:a16="http://schemas.microsoft.com/office/drawing/2014/main" id="{B396C54D-3DCE-7DA2-C846-DBE9FC628C01}"/>
               </a:ext>
             </a:extLst>
           </p:cNvPr>
@@ -1862,7 +1862,7 @@
           <a:bodyPr/>
           <a:lstStyle/>
           <a:p>
-            <a:fld id="{39C5D8EF-C6CA-4440-BD6F-422CEC2504CC}" type="slidenum">
+            <a:fld id="{00DC1617-6938-4819-94FC-A8CD266B047C}" type="slidenum">
               <a:rPr lang="zh-CN" altLang="en-US" smtClean="0"/>
               <a:t>‹#›</a:t>
             </a:fld>
@@ -1873,7 +1873,7 @@
     </p:spTree>
     <p:extLst>
       <p:ext uri="{BB962C8B-B14F-4D97-AF65-F5344CB8AC3E}">
-        <p14:creationId xmlns:p14="http://schemas.microsoft.com/office/powerpoint/2010/main" val="1328233102"/>
+        <p14:creationId xmlns:p14="http://schemas.microsoft.com/office/powerpoint/2010/main" val="2492246029"/>
       </p:ext>
     </p:extLst>
   </p:cSld>
@@ -1905,7 +1905,7 @@
           <p:cNvPr id="2" name="标题 1">
             <a:extLst>
               <a:ext uri="{FF2B5EF4-FFF2-40B4-BE49-F238E27FC236}">
-                <a16:creationId xmlns:a16="http://schemas.microsoft.com/office/drawing/2014/main" id="{883831BD-69DD-54AC-5AB1-0D64F7EE46E2}"/>
+                <a16:creationId xmlns:a16="http://schemas.microsoft.com/office/drawing/2014/main" id="{F919BCFF-0A10-3DFD-1A19-853EE1655347}"/>
               </a:ext>
             </a:extLst>
           </p:cNvPr>
@@ -1933,7 +1933,7 @@
           <p:cNvPr id="3" name="日期占位符 2">
             <a:extLst>
               <a:ext uri="{FF2B5EF4-FFF2-40B4-BE49-F238E27FC236}">
-                <a16:creationId xmlns:a16="http://schemas.microsoft.com/office/drawing/2014/main" id="{A8001CAF-968B-6B81-FF19-7BCEBCC48FCF}"/>
+                <a16:creationId xmlns:a16="http://schemas.microsoft.com/office/drawing/2014/main" id="{7750F10E-5113-C2D7-601C-118F79810826}"/>
               </a:ext>
             </a:extLst>
           </p:cNvPr>
@@ -1949,7 +1949,7 @@
           <a:bodyPr/>
           <a:lstStyle/>
           <a:p>
-            <a:fld id="{82E37D95-94AA-4185-A111-EE089DACD2C6}" type="datetimeFigureOut">
+            <a:fld id="{5911E326-4D05-46C8-8DEF-0EEEACEA4A12}" type="datetimeFigureOut">
               <a:rPr lang="zh-CN" altLang="en-US" smtClean="0"/>
               <a:t>2024/3/10</a:t>
             </a:fld>
@@ -1962,7 +1962,7 @@
           <p:cNvPr id="4" name="页脚占位符 3">
             <a:extLst>
               <a:ext uri="{FF2B5EF4-FFF2-40B4-BE49-F238E27FC236}">
-                <a16:creationId xmlns:a16="http://schemas.microsoft.com/office/drawing/2014/main" id="{0706E05E-DE1C-8599-3B62-DA55E1FBD7CE}"/>
+                <a16:creationId xmlns:a16="http://schemas.microsoft.com/office/drawing/2014/main" id="{D79C5578-2A4F-7D9E-51E6-444ACF61A9C4}"/>
               </a:ext>
             </a:extLst>
           </p:cNvPr>
@@ -1987,7 +1987,7 @@
           <p:cNvPr id="5" name="灯片编号占位符 4">
             <a:extLst>
               <a:ext uri="{FF2B5EF4-FFF2-40B4-BE49-F238E27FC236}">
-                <a16:creationId xmlns:a16="http://schemas.microsoft.com/office/drawing/2014/main" id="{32804B5A-5188-6C46-4639-BF77980A5F0F}"/>
+                <a16:creationId xmlns:a16="http://schemas.microsoft.com/office/drawing/2014/main" id="{023DFF4F-A407-80A7-AFDE-DE18C3A63D9A}"/>
               </a:ext>
             </a:extLst>
           </p:cNvPr>
@@ -2003,7 +2003,7 @@
           <a:bodyPr/>
           <a:lstStyle/>
           <a:p>
-            <a:fld id="{39C5D8EF-C6CA-4440-BD6F-422CEC2504CC}" type="slidenum">
+            <a:fld id="{00DC1617-6938-4819-94FC-A8CD266B047C}" type="slidenum">
               <a:rPr lang="zh-CN" altLang="en-US" smtClean="0"/>
               <a:t>‹#›</a:t>
             </a:fld>
@@ -2014,7 +2014,7 @@
     </p:spTree>
     <p:extLst>
       <p:ext uri="{BB962C8B-B14F-4D97-AF65-F5344CB8AC3E}">
-        <p14:creationId xmlns:p14="http://schemas.microsoft.com/office/powerpoint/2010/main" val="1483046545"/>
+        <p14:creationId xmlns:p14="http://schemas.microsoft.com/office/powerpoint/2010/main" val="2500929123"/>
       </p:ext>
     </p:extLst>
   </p:cSld>
@@ -2046,7 +2046,7 @@
           <p:cNvPr id="2" name="日期占位符 1">
             <a:extLst>
               <a:ext uri="{FF2B5EF4-FFF2-40B4-BE49-F238E27FC236}">
-                <a16:creationId xmlns:a16="http://schemas.microsoft.com/office/drawing/2014/main" id="{AC687225-CC85-BAC4-3478-45932535F138}"/>
+                <a16:creationId xmlns:a16="http://schemas.microsoft.com/office/drawing/2014/main" id="{A426DDEE-1C2E-1889-50BD-855B1C4BB471}"/>
               </a:ext>
             </a:extLst>
           </p:cNvPr>
@@ -2062,7 +2062,7 @@
           <a:bodyPr/>
           <a:lstStyle/>
           <a:p>
-            <a:fld id="{82E37D95-94AA-4185-A111-EE089DACD2C6}" type="datetimeFigureOut">
+            <a:fld id="{5911E326-4D05-46C8-8DEF-0EEEACEA4A12}" type="datetimeFigureOut">
               <a:rPr lang="zh-CN" altLang="en-US" smtClean="0"/>
               <a:t>2024/3/10</a:t>
             </a:fld>
@@ -2075,7 +2075,7 @@
           <p:cNvPr id="3" name="页脚占位符 2">
             <a:extLst>
               <a:ext uri="{FF2B5EF4-FFF2-40B4-BE49-F238E27FC236}">
-                <a16:creationId xmlns:a16="http://schemas.microsoft.com/office/drawing/2014/main" id="{EFCBB308-A2FD-91DE-61FF-BFD9AE11967D}"/>
+                <a16:creationId xmlns:a16="http://schemas.microsoft.com/office/drawing/2014/main" id="{E4631E05-5FE6-FCB9-947A-F0ABCB7B106A}"/>
               </a:ext>
             </a:extLst>
           </p:cNvPr>
@@ -2100,7 +2100,7 @@
           <p:cNvPr id="4" name="灯片编号占位符 3">
             <a:extLst>
               <a:ext uri="{FF2B5EF4-FFF2-40B4-BE49-F238E27FC236}">
-                <a16:creationId xmlns:a16="http://schemas.microsoft.com/office/drawing/2014/main" id="{D8A9F68C-0D12-3E15-80D0-220E315DCA5F}"/>
+                <a16:creationId xmlns:a16="http://schemas.microsoft.com/office/drawing/2014/main" id="{47C4B125-A398-1663-885F-D5F3C7BE28AD}"/>
               </a:ext>
             </a:extLst>
           </p:cNvPr>
@@ -2116,7 +2116,7 @@
           <a:bodyPr/>
           <a:lstStyle/>
           <a:p>
-            <a:fld id="{39C5D8EF-C6CA-4440-BD6F-422CEC2504CC}" type="slidenum">
+            <a:fld id="{00DC1617-6938-4819-94FC-A8CD266B047C}" type="slidenum">
               <a:rPr lang="zh-CN" altLang="en-US" smtClean="0"/>
               <a:t>‹#›</a:t>
             </a:fld>
@@ -2127,7 +2127,7 @@
     </p:spTree>
     <p:extLst>
       <p:ext uri="{BB962C8B-B14F-4D97-AF65-F5344CB8AC3E}">
-        <p14:creationId xmlns:p14="http://schemas.microsoft.com/office/powerpoint/2010/main" val="2072947657"/>
+        <p14:creationId xmlns:p14="http://schemas.microsoft.com/office/powerpoint/2010/main" val="2049046382"/>
       </p:ext>
     </p:extLst>
   </p:cSld>
@@ -2159,7 +2159,7 @@
           <p:cNvPr id="2" name="标题 1">
             <a:extLst>
               <a:ext uri="{FF2B5EF4-FFF2-40B4-BE49-F238E27FC236}">
-                <a16:creationId xmlns:a16="http://schemas.microsoft.com/office/drawing/2014/main" id="{7A6EB412-A9D7-26BE-2CA6-D24616F9A955}"/>
+                <a16:creationId xmlns:a16="http://schemas.microsoft.com/office/drawing/2014/main" id="{EAE85460-783C-E074-18B8-F39CC4387749}"/>
               </a:ext>
             </a:extLst>
           </p:cNvPr>
@@ -2196,7 +2196,7 @@
           <p:cNvPr id="3" name="内容占位符 2">
             <a:extLst>
               <a:ext uri="{FF2B5EF4-FFF2-40B4-BE49-F238E27FC236}">
-                <a16:creationId xmlns:a16="http://schemas.microsoft.com/office/drawing/2014/main" id="{5F93FE14-FE8A-D99C-30B5-AB8545E5F3FC}"/>
+                <a16:creationId xmlns:a16="http://schemas.microsoft.com/office/drawing/2014/main" id="{6FA2C921-1FF9-2AEE-7CB7-D7A6C0B95B5A}"/>
               </a:ext>
             </a:extLst>
           </p:cNvPr>
@@ -2286,7 +2286,7 @@
           <p:cNvPr id="4" name="文本占位符 3">
             <a:extLst>
               <a:ext uri="{FF2B5EF4-FFF2-40B4-BE49-F238E27FC236}">
-                <a16:creationId xmlns:a16="http://schemas.microsoft.com/office/drawing/2014/main" id="{24F41DFA-9457-3F86-DFCD-20C390932F2A}"/>
+                <a16:creationId xmlns:a16="http://schemas.microsoft.com/office/drawing/2014/main" id="{FE96649F-3B03-5CAE-4927-9C98902E5A93}"/>
               </a:ext>
             </a:extLst>
           </p:cNvPr>
@@ -2357,7 +2357,7 @@
           <p:cNvPr id="5" name="日期占位符 4">
             <a:extLst>
               <a:ext uri="{FF2B5EF4-FFF2-40B4-BE49-F238E27FC236}">
-                <a16:creationId xmlns:a16="http://schemas.microsoft.com/office/drawing/2014/main" id="{C3F0363F-A9C7-BFB3-0A71-D0A54D74FE76}"/>
+                <a16:creationId xmlns:a16="http://schemas.microsoft.com/office/drawing/2014/main" id="{C680B451-E7A7-3313-9AF5-39ACD75B8A97}"/>
               </a:ext>
             </a:extLst>
           </p:cNvPr>
@@ -2373,7 +2373,7 @@
           <a:bodyPr/>
           <a:lstStyle/>
           <a:p>
-            <a:fld id="{82E37D95-94AA-4185-A111-EE089DACD2C6}" type="datetimeFigureOut">
+            <a:fld id="{5911E326-4D05-46C8-8DEF-0EEEACEA4A12}" type="datetimeFigureOut">
               <a:rPr lang="zh-CN" altLang="en-US" smtClean="0"/>
               <a:t>2024/3/10</a:t>
             </a:fld>
@@ -2386,7 +2386,7 @@
           <p:cNvPr id="6" name="页脚占位符 5">
             <a:extLst>
               <a:ext uri="{FF2B5EF4-FFF2-40B4-BE49-F238E27FC236}">
-                <a16:creationId xmlns:a16="http://schemas.microsoft.com/office/drawing/2014/main" id="{FE00F6CC-0AFB-F943-AEB2-93BEA272B018}"/>
+                <a16:creationId xmlns:a16="http://schemas.microsoft.com/office/drawing/2014/main" id="{3A40FC0E-31E3-F3AD-5EB4-6B4CF59452A0}"/>
               </a:ext>
             </a:extLst>
           </p:cNvPr>
@@ -2411,7 +2411,7 @@
           <p:cNvPr id="7" name="灯片编号占位符 6">
             <a:extLst>
               <a:ext uri="{FF2B5EF4-FFF2-40B4-BE49-F238E27FC236}">
-                <a16:creationId xmlns:a16="http://schemas.microsoft.com/office/drawing/2014/main" id="{D867D141-C581-A3C2-A159-8142B8389FC2}"/>
+                <a16:creationId xmlns:a16="http://schemas.microsoft.com/office/drawing/2014/main" id="{648498E1-CA74-48A0-1B7E-B91213D94264}"/>
               </a:ext>
             </a:extLst>
           </p:cNvPr>
@@ -2427,7 +2427,7 @@
           <a:bodyPr/>
           <a:lstStyle/>
           <a:p>
-            <a:fld id="{39C5D8EF-C6CA-4440-BD6F-422CEC2504CC}" type="slidenum">
+            <a:fld id="{00DC1617-6938-4819-94FC-A8CD266B047C}" type="slidenum">
               <a:rPr lang="zh-CN" altLang="en-US" smtClean="0"/>
               <a:t>‹#›</a:t>
             </a:fld>
@@ -2438,7 +2438,7 @@
     </p:spTree>
     <p:extLst>
       <p:ext uri="{BB962C8B-B14F-4D97-AF65-F5344CB8AC3E}">
-        <p14:creationId xmlns:p14="http://schemas.microsoft.com/office/powerpoint/2010/main" val="1599889995"/>
+        <p14:creationId xmlns:p14="http://schemas.microsoft.com/office/powerpoint/2010/main" val="3303862950"/>
       </p:ext>
     </p:extLst>
   </p:cSld>
@@ -2470,7 +2470,7 @@
           <p:cNvPr id="2" name="标题 1">
             <a:extLst>
               <a:ext uri="{FF2B5EF4-FFF2-40B4-BE49-F238E27FC236}">
-                <a16:creationId xmlns:a16="http://schemas.microsoft.com/office/drawing/2014/main" id="{0FB82484-94A9-220F-B92C-7715EF4A6E4F}"/>
+                <a16:creationId xmlns:a16="http://schemas.microsoft.com/office/drawing/2014/main" id="{C400E063-28A1-9381-4E3E-EC6B1237C497}"/>
               </a:ext>
             </a:extLst>
           </p:cNvPr>
@@ -2507,7 +2507,7 @@
           <p:cNvPr id="3" name="图片占位符 2">
             <a:extLst>
               <a:ext uri="{FF2B5EF4-FFF2-40B4-BE49-F238E27FC236}">
-                <a16:creationId xmlns:a16="http://schemas.microsoft.com/office/drawing/2014/main" id="{0A80EB9B-54DF-AECD-7F55-4AFC7D9006D4}"/>
+                <a16:creationId xmlns:a16="http://schemas.microsoft.com/office/drawing/2014/main" id="{A830E90F-ED77-50EC-F097-B54B7652D509}"/>
               </a:ext>
             </a:extLst>
           </p:cNvPr>
@@ -2574,7 +2574,7 @@
           <p:cNvPr id="4" name="文本占位符 3">
             <a:extLst>
               <a:ext uri="{FF2B5EF4-FFF2-40B4-BE49-F238E27FC236}">
-                <a16:creationId xmlns:a16="http://schemas.microsoft.com/office/drawing/2014/main" id="{EC5DFA1C-0F0B-0529-775F-1438968F85B0}"/>
+                <a16:creationId xmlns:a16="http://schemas.microsoft.com/office/drawing/2014/main" id="{E615EE45-C8EB-9C0D-CD56-8071D6E7BF39}"/>
               </a:ext>
             </a:extLst>
           </p:cNvPr>
@@ -2645,7 +2645,7 @@
           <p:cNvPr id="5" name="日期占位符 4">
             <a:extLst>
               <a:ext uri="{FF2B5EF4-FFF2-40B4-BE49-F238E27FC236}">
-                <a16:creationId xmlns:a16="http://schemas.microsoft.com/office/drawing/2014/main" id="{1AB91BA8-B71A-DB6D-104C-B7F11B1609DE}"/>
+                <a16:creationId xmlns:a16="http://schemas.microsoft.com/office/drawing/2014/main" id="{1C7AE650-650F-60A8-92D7-8F5EDBEAA09D}"/>
               </a:ext>
             </a:extLst>
           </p:cNvPr>
@@ -2661,7 +2661,7 @@
           <a:bodyPr/>
           <a:lstStyle/>
           <a:p>
-            <a:fld id="{82E37D95-94AA-4185-A111-EE089DACD2C6}" type="datetimeFigureOut">
+            <a:fld id="{5911E326-4D05-46C8-8DEF-0EEEACEA4A12}" type="datetimeFigureOut">
               <a:rPr lang="zh-CN" altLang="en-US" smtClean="0"/>
               <a:t>2024/3/10</a:t>
             </a:fld>
@@ -2674,7 +2674,7 @@
           <p:cNvPr id="6" name="页脚占位符 5">
             <a:extLst>
               <a:ext uri="{FF2B5EF4-FFF2-40B4-BE49-F238E27FC236}">
-                <a16:creationId xmlns:a16="http://schemas.microsoft.com/office/drawing/2014/main" id="{C4F84372-D908-4E16-62F7-6BF4BAF5C8B0}"/>
+                <a16:creationId xmlns:a16="http://schemas.microsoft.com/office/drawing/2014/main" id="{E913EC37-B116-7F46-ED04-334F5606922C}"/>
               </a:ext>
             </a:extLst>
           </p:cNvPr>
@@ -2699,7 +2699,7 @@
           <p:cNvPr id="7" name="灯片编号占位符 6">
             <a:extLst>
               <a:ext uri="{FF2B5EF4-FFF2-40B4-BE49-F238E27FC236}">
-                <a16:creationId xmlns:a16="http://schemas.microsoft.com/office/drawing/2014/main" id="{4419414C-0636-CF7A-D26C-51F8CFE3300C}"/>
+                <a16:creationId xmlns:a16="http://schemas.microsoft.com/office/drawing/2014/main" id="{4D18933E-5296-57E8-AFA1-D2540904F945}"/>
               </a:ext>
             </a:extLst>
           </p:cNvPr>
@@ -2715,7 +2715,7 @@
           <a:bodyPr/>
           <a:lstStyle/>
           <a:p>
-            <a:fld id="{39C5D8EF-C6CA-4440-BD6F-422CEC2504CC}" type="slidenum">
+            <a:fld id="{00DC1617-6938-4819-94FC-A8CD266B047C}" type="slidenum">
               <a:rPr lang="zh-CN" altLang="en-US" smtClean="0"/>
               <a:t>‹#›</a:t>
             </a:fld>
@@ -2726,7 +2726,7 @@
     </p:spTree>
     <p:extLst>
       <p:ext uri="{BB962C8B-B14F-4D97-AF65-F5344CB8AC3E}">
-        <p14:creationId xmlns:p14="http://schemas.microsoft.com/office/powerpoint/2010/main" val="62060764"/>
+        <p14:creationId xmlns:p14="http://schemas.microsoft.com/office/powerpoint/2010/main" val="3095939664"/>
       </p:ext>
     </p:extLst>
   </p:cSld>
@@ -2763,7 +2763,7 @@
           <p:cNvPr id="2" name="标题占位符 1">
             <a:extLst>
               <a:ext uri="{FF2B5EF4-FFF2-40B4-BE49-F238E27FC236}">
-                <a16:creationId xmlns:a16="http://schemas.microsoft.com/office/drawing/2014/main" id="{D425095C-4FDF-7F07-0122-2303C5982889}"/>
+                <a16:creationId xmlns:a16="http://schemas.microsoft.com/office/drawing/2014/main" id="{CAFC0FA7-9406-7937-A764-A07DC298570F}"/>
               </a:ext>
             </a:extLst>
           </p:cNvPr>
@@ -2801,7 +2801,7 @@
           <p:cNvPr id="3" name="文本占位符 2">
             <a:extLst>
               <a:ext uri="{FF2B5EF4-FFF2-40B4-BE49-F238E27FC236}">
-                <a16:creationId xmlns:a16="http://schemas.microsoft.com/office/drawing/2014/main" id="{4FB55A9D-A4B5-D035-138B-1780EC5CD5B1}"/>
+                <a16:creationId xmlns:a16="http://schemas.microsoft.com/office/drawing/2014/main" id="{DBFE1CF2-B601-1AB7-6633-0EB835A64687}"/>
               </a:ext>
             </a:extLst>
           </p:cNvPr>
@@ -2868,7 +2868,7 @@
           <p:cNvPr id="4" name="日期占位符 3">
             <a:extLst>
               <a:ext uri="{FF2B5EF4-FFF2-40B4-BE49-F238E27FC236}">
-                <a16:creationId xmlns:a16="http://schemas.microsoft.com/office/drawing/2014/main" id="{18394EC3-D877-672C-F481-70FBF2E5374F}"/>
+                <a16:creationId xmlns:a16="http://schemas.microsoft.com/office/drawing/2014/main" id="{69C15E3D-7E30-7B02-7A3F-E6A5F2AE133A}"/>
               </a:ext>
             </a:extLst>
           </p:cNvPr>
@@ -2902,7 +2902,7 @@
             </a:lvl1pPr>
           </a:lstStyle>
           <a:p>
-            <a:fld id="{82E37D95-94AA-4185-A111-EE089DACD2C6}" type="datetimeFigureOut">
+            <a:fld id="{5911E326-4D05-46C8-8DEF-0EEEACEA4A12}" type="datetimeFigureOut">
               <a:rPr lang="zh-CN" altLang="en-US" smtClean="0"/>
               <a:t>2024/3/10</a:t>
             </a:fld>
@@ -2915,7 +2915,7 @@
           <p:cNvPr id="5" name="页脚占位符 4">
             <a:extLst>
               <a:ext uri="{FF2B5EF4-FFF2-40B4-BE49-F238E27FC236}">
-                <a16:creationId xmlns:a16="http://schemas.microsoft.com/office/drawing/2014/main" id="{0BB7D5BE-E8BC-07E8-F065-6A90D23D5DA0}"/>
+                <a16:creationId xmlns:a16="http://schemas.microsoft.com/office/drawing/2014/main" id="{E73FD0FD-7500-CC58-5FA0-DD27FDABC9A0}"/>
               </a:ext>
             </a:extLst>
           </p:cNvPr>
@@ -2958,7 +2958,7 @@
           <p:cNvPr id="6" name="灯片编号占位符 5">
             <a:extLst>
               <a:ext uri="{FF2B5EF4-FFF2-40B4-BE49-F238E27FC236}">
-                <a16:creationId xmlns:a16="http://schemas.microsoft.com/office/drawing/2014/main" id="{C4097F9E-47B3-37CA-4D87-25CB9DE25E2C}"/>
+                <a16:creationId xmlns:a16="http://schemas.microsoft.com/office/drawing/2014/main" id="{ED1D6001-0106-5916-F0DC-77949AE1C5E2}"/>
               </a:ext>
             </a:extLst>
           </p:cNvPr>
@@ -2992,7 +2992,7 @@
             </a:lvl1pPr>
           </a:lstStyle>
           <a:p>
-            <a:fld id="{39C5D8EF-C6CA-4440-BD6F-422CEC2504CC}" type="slidenum">
+            <a:fld id="{00DC1617-6938-4819-94FC-A8CD266B047C}" type="slidenum">
               <a:rPr lang="zh-CN" altLang="en-US" smtClean="0"/>
               <a:t>‹#›</a:t>
             </a:fld>
@@ -3003,7 +3003,7 @@
     </p:spTree>
     <p:extLst>
       <p:ext uri="{BB962C8B-B14F-4D97-AF65-F5344CB8AC3E}">
-        <p14:creationId xmlns:p14="http://schemas.microsoft.com/office/powerpoint/2010/main" val="4141473669"/>
+        <p14:creationId xmlns:p14="http://schemas.microsoft.com/office/powerpoint/2010/main" val="2652614874"/>
       </p:ext>
     </p:extLst>
   </p:cSld>
@@ -3323,7 +3323,7 @@
       </p:grpSpPr>
       <p:pic>
         <p:nvPicPr>
-          <p:cNvPr id="1553410" name="Picture 2" descr="1516"/>
+          <p:cNvPr id="1554434" name="Picture 2" descr="1517"/>
           <p:cNvPicPr>
             <a:picLocks noChangeAspect="1" noChangeArrowheads="1"/>
           </p:cNvPicPr>
